--- a/Lesssons/CrossLesson_gitbash_basemip.pptx
+++ b/Lesssons/CrossLesson_gitbash_basemip.pptx
@@ -3351,30 +3351,37 @@
         </p:nvSpPr>
         <p:spPr>
           <a:xfrm>
-            <a:off x="0" y="1122363"/>
-            <a:ext cx="12192000" cy="2387600"/>
+            <a:off x="0" y="1122362"/>
+            <a:ext cx="12192000" cy="4290465"/>
           </a:xfrm>
         </p:spPr>
         <p:txBody>
           <a:bodyPr>
-            <a:normAutofit fontScale="90000"/>
+            <a:normAutofit/>
           </a:bodyPr>
           <a:lstStyle/>
           <a:p>
             <a:r>
               <a:rPr lang="en-US" altLang="zh-CN" b="1" dirty="0"/>
-              <a:t>Lesson</a:t>
-            </a:r>
-            <a:r>
-              <a:rPr lang="en-US" b="1" dirty="0"/>
-              <a:t> 01</a:t>
+              <a:t>Cross Lesson Materials: </a:t>
             </a:r>
             <a:br>
-              <a:rPr lang="en-US" b="1" dirty="0"/>
+              <a:rPr lang="en-US" altLang="zh-CN" b="1" dirty="0"/>
             </a:br>
             <a:r>
-              <a:rPr lang="en-US" b="1" dirty="0"/>
-              <a:t>07/02/2022</a:t>
+              <a:rPr lang="en-US" altLang="zh-CN" b="1" dirty="0"/>
+              <a:t>git</a:t>
+            </a:r>
+            <a:br>
+              <a:rPr lang="en-US" altLang="zh-CN" b="1" dirty="0"/>
+            </a:br>
+            <a:r>
+              <a:rPr lang="en-US" altLang="zh-CN" b="1" dirty="0"/>
+              <a:t>and </a:t>
+            </a:r>
+            <a:r>
+              <a:rPr lang="en-US" altLang="zh-CN" b="1" dirty="0" err="1"/>
+              <a:t>envs</a:t>
             </a:r>
             <a:br>
               <a:rPr lang="en-US" dirty="0"/>
